--- a/20 - Modelo Conceitual de Negócio.pptx
+++ b/20 - Modelo Conceitual de Negócio.pptx
@@ -53,7 +53,7 @@
       </p:grpSpPr>
       <p:sp>
         <p:nvSpPr>
-          <p:cNvPr id="23" name="PlaceHolder 1"/>
+          <p:cNvPr id="21" name="PlaceHolder 1"/>
           <p:cNvSpPr>
             <a:spLocks noGrp="1"/>
           </p:cNvSpPr>
@@ -84,7 +84,7 @@
       </p:sp>
       <p:sp>
         <p:nvSpPr>
-          <p:cNvPr id="24" name="PlaceHolder 2"/>
+          <p:cNvPr id="22" name="PlaceHolder 2"/>
           <p:cNvSpPr>
             <a:spLocks noGrp="1"/>
           </p:cNvSpPr>
@@ -114,7 +114,7 @@
       </p:sp>
       <p:sp>
         <p:nvSpPr>
-          <p:cNvPr id="25" name="PlaceHolder 3"/>
+          <p:cNvPr id="23" name="PlaceHolder 3"/>
           <p:cNvSpPr>
             <a:spLocks noGrp="1"/>
           </p:cNvSpPr>
@@ -166,7 +166,7 @@
       </p:grpSpPr>
       <p:sp>
         <p:nvSpPr>
-          <p:cNvPr id="26" name="PlaceHolder 1"/>
+          <p:cNvPr id="24" name="PlaceHolder 1"/>
           <p:cNvSpPr>
             <a:spLocks noGrp="1"/>
           </p:cNvSpPr>
@@ -197,7 +197,7 @@
       </p:sp>
       <p:sp>
         <p:nvSpPr>
-          <p:cNvPr id="27" name="PlaceHolder 2"/>
+          <p:cNvPr id="25" name="PlaceHolder 2"/>
           <p:cNvSpPr>
             <a:spLocks noGrp="1"/>
           </p:cNvSpPr>
@@ -227,7 +227,7 @@
       </p:sp>
       <p:sp>
         <p:nvSpPr>
-          <p:cNvPr id="28" name="PlaceHolder 3"/>
+          <p:cNvPr id="26" name="PlaceHolder 3"/>
           <p:cNvSpPr>
             <a:spLocks noGrp="1"/>
           </p:cNvSpPr>
@@ -257,7 +257,7 @@
       </p:sp>
       <p:sp>
         <p:nvSpPr>
-          <p:cNvPr id="29" name="PlaceHolder 4"/>
+          <p:cNvPr id="27" name="PlaceHolder 4"/>
           <p:cNvSpPr>
             <a:spLocks noGrp="1"/>
           </p:cNvSpPr>
@@ -287,7 +287,7 @@
       </p:sp>
       <p:sp>
         <p:nvSpPr>
-          <p:cNvPr id="30" name="PlaceHolder 5"/>
+          <p:cNvPr id="28" name="PlaceHolder 5"/>
           <p:cNvSpPr>
             <a:spLocks noGrp="1"/>
           </p:cNvSpPr>
@@ -339,7 +339,7 @@
       </p:grpSpPr>
       <p:sp>
         <p:nvSpPr>
-          <p:cNvPr id="31" name="PlaceHolder 1"/>
+          <p:cNvPr id="29" name="PlaceHolder 1"/>
           <p:cNvSpPr>
             <a:spLocks noGrp="1"/>
           </p:cNvSpPr>
@@ -370,7 +370,7 @@
       </p:sp>
       <p:sp>
         <p:nvSpPr>
-          <p:cNvPr id="32" name="PlaceHolder 2"/>
+          <p:cNvPr id="30" name="PlaceHolder 2"/>
           <p:cNvSpPr>
             <a:spLocks noGrp="1"/>
           </p:cNvSpPr>
@@ -400,7 +400,7 @@
       </p:sp>
       <p:sp>
         <p:nvSpPr>
-          <p:cNvPr id="33" name="PlaceHolder 3"/>
+          <p:cNvPr id="31" name="PlaceHolder 3"/>
           <p:cNvSpPr>
             <a:spLocks noGrp="1"/>
           </p:cNvSpPr>
@@ -430,7 +430,7 @@
       </p:sp>
       <p:sp>
         <p:nvSpPr>
-          <p:cNvPr id="34" name="PlaceHolder 4"/>
+          <p:cNvPr id="32" name="PlaceHolder 4"/>
           <p:cNvSpPr>
             <a:spLocks noGrp="1"/>
           </p:cNvSpPr>
@@ -460,7 +460,7 @@
       </p:sp>
       <p:sp>
         <p:nvSpPr>
-          <p:cNvPr id="35" name="PlaceHolder 5"/>
+          <p:cNvPr id="33" name="PlaceHolder 5"/>
           <p:cNvSpPr>
             <a:spLocks noGrp="1"/>
           </p:cNvSpPr>
@@ -490,7 +490,7 @@
       </p:sp>
       <p:sp>
         <p:nvSpPr>
-          <p:cNvPr id="36" name="PlaceHolder 6"/>
+          <p:cNvPr id="34" name="PlaceHolder 6"/>
           <p:cNvSpPr>
             <a:spLocks noGrp="1"/>
           </p:cNvSpPr>
@@ -520,7 +520,7 @@
       </p:sp>
       <p:sp>
         <p:nvSpPr>
-          <p:cNvPr id="37" name="PlaceHolder 7"/>
+          <p:cNvPr id="35" name="PlaceHolder 7"/>
           <p:cNvSpPr>
             <a:spLocks noGrp="1"/>
           </p:cNvSpPr>
@@ -572,7 +572,7 @@
       </p:grpSpPr>
       <p:sp>
         <p:nvSpPr>
-          <p:cNvPr id="2" name="PlaceHolder 1"/>
+          <p:cNvPr id="0" name="PlaceHolder 1"/>
           <p:cNvSpPr>
             <a:spLocks noGrp="1"/>
           </p:cNvSpPr>
@@ -603,7 +603,7 @@
       </p:sp>
       <p:sp>
         <p:nvSpPr>
-          <p:cNvPr id="3" name="PlaceHolder 2"/>
+          <p:cNvPr id="1" name="PlaceHolder 2"/>
           <p:cNvSpPr>
             <a:spLocks noGrp="1"/>
           </p:cNvSpPr>
@@ -656,7 +656,7 @@
       </p:grpSpPr>
       <p:sp>
         <p:nvSpPr>
-          <p:cNvPr id="4" name="PlaceHolder 1"/>
+          <p:cNvPr id="2" name="PlaceHolder 1"/>
           <p:cNvSpPr>
             <a:spLocks noGrp="1"/>
           </p:cNvSpPr>
@@ -687,7 +687,7 @@
       </p:sp>
       <p:sp>
         <p:nvSpPr>
-          <p:cNvPr id="5" name="PlaceHolder 2"/>
+          <p:cNvPr id="3" name="PlaceHolder 2"/>
           <p:cNvSpPr>
             <a:spLocks noGrp="1"/>
           </p:cNvSpPr>
@@ -739,7 +739,7 @@
       </p:grpSpPr>
       <p:sp>
         <p:nvSpPr>
-          <p:cNvPr id="6" name="PlaceHolder 1"/>
+          <p:cNvPr id="4" name="PlaceHolder 1"/>
           <p:cNvSpPr>
             <a:spLocks noGrp="1"/>
           </p:cNvSpPr>
@@ -770,7 +770,7 @@
       </p:sp>
       <p:sp>
         <p:nvSpPr>
-          <p:cNvPr id="7" name="PlaceHolder 2"/>
+          <p:cNvPr id="5" name="PlaceHolder 2"/>
           <p:cNvSpPr>
             <a:spLocks noGrp="1"/>
           </p:cNvSpPr>
@@ -800,7 +800,7 @@
       </p:sp>
       <p:sp>
         <p:nvSpPr>
-          <p:cNvPr id="8" name="PlaceHolder 3"/>
+          <p:cNvPr id="6" name="PlaceHolder 3"/>
           <p:cNvSpPr>
             <a:spLocks noGrp="1"/>
           </p:cNvSpPr>
@@ -852,7 +852,7 @@
       </p:grpSpPr>
       <p:sp>
         <p:nvSpPr>
-          <p:cNvPr id="9" name="PlaceHolder 1"/>
+          <p:cNvPr id="7" name="PlaceHolder 1"/>
           <p:cNvSpPr>
             <a:spLocks noGrp="1"/>
           </p:cNvSpPr>
@@ -905,7 +905,7 @@
       </p:grpSpPr>
       <p:sp>
         <p:nvSpPr>
-          <p:cNvPr id="10" name="PlaceHolder 1"/>
+          <p:cNvPr id="8" name="PlaceHolder 1"/>
           <p:cNvSpPr>
             <a:spLocks noGrp="1"/>
           </p:cNvSpPr>
@@ -958,7 +958,7 @@
       </p:grpSpPr>
       <p:sp>
         <p:nvSpPr>
-          <p:cNvPr id="11" name="PlaceHolder 1"/>
+          <p:cNvPr id="9" name="PlaceHolder 1"/>
           <p:cNvSpPr>
             <a:spLocks noGrp="1"/>
           </p:cNvSpPr>
@@ -989,7 +989,7 @@
       </p:sp>
       <p:sp>
         <p:nvSpPr>
-          <p:cNvPr id="12" name="PlaceHolder 2"/>
+          <p:cNvPr id="10" name="PlaceHolder 2"/>
           <p:cNvSpPr>
             <a:spLocks noGrp="1"/>
           </p:cNvSpPr>
@@ -1019,7 +1019,7 @@
       </p:sp>
       <p:sp>
         <p:nvSpPr>
-          <p:cNvPr id="13" name="PlaceHolder 3"/>
+          <p:cNvPr id="11" name="PlaceHolder 3"/>
           <p:cNvSpPr>
             <a:spLocks noGrp="1"/>
           </p:cNvSpPr>
@@ -1049,7 +1049,7 @@
       </p:sp>
       <p:sp>
         <p:nvSpPr>
-          <p:cNvPr id="14" name="PlaceHolder 4"/>
+          <p:cNvPr id="12" name="PlaceHolder 4"/>
           <p:cNvSpPr>
             <a:spLocks noGrp="1"/>
           </p:cNvSpPr>
@@ -1101,7 +1101,7 @@
       </p:grpSpPr>
       <p:sp>
         <p:nvSpPr>
-          <p:cNvPr id="15" name="PlaceHolder 1"/>
+          <p:cNvPr id="13" name="PlaceHolder 1"/>
           <p:cNvSpPr>
             <a:spLocks noGrp="1"/>
           </p:cNvSpPr>
@@ -1132,7 +1132,7 @@
       </p:sp>
       <p:sp>
         <p:nvSpPr>
-          <p:cNvPr id="16" name="PlaceHolder 2"/>
+          <p:cNvPr id="14" name="PlaceHolder 2"/>
           <p:cNvSpPr>
             <a:spLocks noGrp="1"/>
           </p:cNvSpPr>
@@ -1162,7 +1162,7 @@
       </p:sp>
       <p:sp>
         <p:nvSpPr>
-          <p:cNvPr id="17" name="PlaceHolder 3"/>
+          <p:cNvPr id="15" name="PlaceHolder 3"/>
           <p:cNvSpPr>
             <a:spLocks noGrp="1"/>
           </p:cNvSpPr>
@@ -1192,7 +1192,7 @@
       </p:sp>
       <p:sp>
         <p:nvSpPr>
-          <p:cNvPr id="18" name="PlaceHolder 4"/>
+          <p:cNvPr id="16" name="PlaceHolder 4"/>
           <p:cNvSpPr>
             <a:spLocks noGrp="1"/>
           </p:cNvSpPr>
@@ -1244,7 +1244,7 @@
       </p:grpSpPr>
       <p:sp>
         <p:nvSpPr>
-          <p:cNvPr id="19" name="PlaceHolder 1"/>
+          <p:cNvPr id="17" name="PlaceHolder 1"/>
           <p:cNvSpPr>
             <a:spLocks noGrp="1"/>
           </p:cNvSpPr>
@@ -1275,7 +1275,7 @@
       </p:sp>
       <p:sp>
         <p:nvSpPr>
-          <p:cNvPr id="20" name="PlaceHolder 2"/>
+          <p:cNvPr id="18" name="PlaceHolder 2"/>
           <p:cNvSpPr>
             <a:spLocks noGrp="1"/>
           </p:cNvSpPr>
@@ -1305,7 +1305,7 @@
       </p:sp>
       <p:sp>
         <p:nvSpPr>
-          <p:cNvPr id="21" name="PlaceHolder 3"/>
+          <p:cNvPr id="19" name="PlaceHolder 3"/>
           <p:cNvSpPr>
             <a:spLocks noGrp="1"/>
           </p:cNvSpPr>
@@ -1335,7 +1335,7 @@
       </p:sp>
       <p:sp>
         <p:nvSpPr>
-          <p:cNvPr id="22" name="PlaceHolder 4"/>
+          <p:cNvPr id="20" name="PlaceHolder 4"/>
           <p:cNvSpPr>
             <a:spLocks noGrp="1"/>
           </p:cNvSpPr>
@@ -1392,222 +1392,6 @@
           <a:chExt cx="0" cy="0"/>
         </a:xfrm>
       </p:grpSpPr>
-      <p:sp>
-        <p:nvSpPr>
-          <p:cNvPr id="0" name="PlaceHolder 1"/>
-          <p:cNvSpPr>
-            <a:spLocks noGrp="1"/>
-          </p:cNvSpPr>
-          <p:nvPr>
-            <p:ph type="title"/>
-          </p:nvPr>
-        </p:nvSpPr>
-        <p:spPr>
-          <a:xfrm>
-            <a:off x="504000" y="226080"/>
-            <a:ext cx="9072000" cy="946440"/>
-          </a:xfrm>
-          <a:prstGeom prst="rect">
-            <a:avLst/>
-          </a:prstGeom>
-        </p:spPr>
-        <p:txBody>
-          <a:bodyPr lIns="0" rIns="0" tIns="0" bIns="0" anchor="ctr">
-            <a:noAutofit/>
-          </a:bodyPr>
-          <a:p>
-            <a:pPr algn="ctr"/>
-            <a:r>
-              <a:rPr b="0" lang="pt-BR" sz="4400" spc="-1" strike="noStrike">
-                <a:latin typeface="Arial"/>
-              </a:rPr>
-              <a:t>Clique para editar o formato do texto do título</a:t>
-            </a:r>
-            <a:endParaRPr b="0" lang="pt-BR" sz="4400" spc="-1" strike="noStrike">
-              <a:latin typeface="Arial"/>
-            </a:endParaRPr>
-          </a:p>
-        </p:txBody>
-      </p:sp>
-      <p:sp>
-        <p:nvSpPr>
-          <p:cNvPr id="1" name="PlaceHolder 2"/>
-          <p:cNvSpPr>
-            <a:spLocks noGrp="1"/>
-          </p:cNvSpPr>
-          <p:nvPr>
-            <p:ph type="body"/>
-          </p:nvPr>
-        </p:nvSpPr>
-        <p:spPr>
-          <a:xfrm>
-            <a:off x="504000" y="1326600"/>
-            <a:ext cx="9072000" cy="3288600"/>
-          </a:xfrm>
-          <a:prstGeom prst="rect">
-            <a:avLst/>
-          </a:prstGeom>
-        </p:spPr>
-        <p:txBody>
-          <a:bodyPr lIns="0" rIns="0" tIns="0" bIns="0">
-            <a:normAutofit/>
-          </a:bodyPr>
-          <a:p>
-            <a:pPr marL="432000" indent="-324000">
-              <a:spcBef>
-                <a:spcPts val="1417"/>
-              </a:spcBef>
-              <a:buClr>
-                <a:srgbClr val="000000"/>
-              </a:buClr>
-              <a:buSzPct val="45000"/>
-              <a:buFont typeface="Wingdings" charset="2"/>
-              <a:buChar char=""/>
-            </a:pPr>
-            <a:r>
-              <a:rPr b="0" lang="pt-BR" sz="3200" spc="-1" strike="noStrike">
-                <a:latin typeface="Arial"/>
-              </a:rPr>
-              <a:t>Clique para editar o formato do texto da estrutura de tópicos</a:t>
-            </a:r>
-            <a:endParaRPr b="0" lang="pt-BR" sz="3200" spc="-1" strike="noStrike">
-              <a:latin typeface="Arial"/>
-            </a:endParaRPr>
-          </a:p>
-          <a:p>
-            <a:pPr lvl="1" marL="864000" indent="-324000">
-              <a:spcBef>
-                <a:spcPts val="1134"/>
-              </a:spcBef>
-              <a:buClr>
-                <a:srgbClr val="000000"/>
-              </a:buClr>
-              <a:buSzPct val="75000"/>
-              <a:buFont typeface="Symbol" charset="2"/>
-              <a:buChar char=""/>
-            </a:pPr>
-            <a:r>
-              <a:rPr b="0" lang="pt-BR" sz="2800" spc="-1" strike="noStrike">
-                <a:latin typeface="Arial"/>
-              </a:rPr>
-              <a:t>2.º nível da estrutura de tópicos</a:t>
-            </a:r>
-            <a:endParaRPr b="0" lang="pt-BR" sz="2800" spc="-1" strike="noStrike">
-              <a:latin typeface="Arial"/>
-            </a:endParaRPr>
-          </a:p>
-          <a:p>
-            <a:pPr lvl="2" marL="1296000" indent="-288000">
-              <a:spcBef>
-                <a:spcPts val="850"/>
-              </a:spcBef>
-              <a:buClr>
-                <a:srgbClr val="000000"/>
-              </a:buClr>
-              <a:buSzPct val="45000"/>
-              <a:buFont typeface="Wingdings" charset="2"/>
-              <a:buChar char=""/>
-            </a:pPr>
-            <a:r>
-              <a:rPr b="0" lang="pt-BR" sz="2400" spc="-1" strike="noStrike">
-                <a:latin typeface="Arial"/>
-              </a:rPr>
-              <a:t>3.º nível da estrutura de tópicos</a:t>
-            </a:r>
-            <a:endParaRPr b="0" lang="pt-BR" sz="2400" spc="-1" strike="noStrike">
-              <a:latin typeface="Arial"/>
-            </a:endParaRPr>
-          </a:p>
-          <a:p>
-            <a:pPr lvl="3" marL="1728000" indent="-216000">
-              <a:spcBef>
-                <a:spcPts val="567"/>
-              </a:spcBef>
-              <a:buClr>
-                <a:srgbClr val="000000"/>
-              </a:buClr>
-              <a:buSzPct val="75000"/>
-              <a:buFont typeface="Symbol" charset="2"/>
-              <a:buChar char=""/>
-            </a:pPr>
-            <a:r>
-              <a:rPr b="0" lang="pt-BR" sz="2000" spc="-1" strike="noStrike">
-                <a:latin typeface="Arial"/>
-              </a:rPr>
-              <a:t>4.º nível da estrutura de tópicos</a:t>
-            </a:r>
-            <a:endParaRPr b="0" lang="pt-BR" sz="2000" spc="-1" strike="noStrike">
-              <a:latin typeface="Arial"/>
-            </a:endParaRPr>
-          </a:p>
-          <a:p>
-            <a:pPr lvl="4" marL="2160000" indent="-216000">
-              <a:spcBef>
-                <a:spcPts val="283"/>
-              </a:spcBef>
-              <a:buClr>
-                <a:srgbClr val="000000"/>
-              </a:buClr>
-              <a:buSzPct val="45000"/>
-              <a:buFont typeface="Wingdings" charset="2"/>
-              <a:buChar char=""/>
-            </a:pPr>
-            <a:r>
-              <a:rPr b="0" lang="pt-BR" sz="2000" spc="-1" strike="noStrike">
-                <a:latin typeface="Arial"/>
-              </a:rPr>
-              <a:t>5.º nível da estrutura de tópicos</a:t>
-            </a:r>
-            <a:endParaRPr b="0" lang="pt-BR" sz="2000" spc="-1" strike="noStrike">
-              <a:latin typeface="Arial"/>
-            </a:endParaRPr>
-          </a:p>
-          <a:p>
-            <a:pPr lvl="5" marL="2592000" indent="-216000">
-              <a:spcBef>
-                <a:spcPts val="283"/>
-              </a:spcBef>
-              <a:buClr>
-                <a:srgbClr val="000000"/>
-              </a:buClr>
-              <a:buSzPct val="45000"/>
-              <a:buFont typeface="Wingdings" charset="2"/>
-              <a:buChar char=""/>
-            </a:pPr>
-            <a:r>
-              <a:rPr b="0" lang="pt-BR" sz="2000" spc="-1" strike="noStrike">
-                <a:latin typeface="Arial"/>
-              </a:rPr>
-              <a:t>6.º nível da estrutura de tópicos</a:t>
-            </a:r>
-            <a:endParaRPr b="0" lang="pt-BR" sz="2000" spc="-1" strike="noStrike">
-              <a:latin typeface="Arial"/>
-            </a:endParaRPr>
-          </a:p>
-          <a:p>
-            <a:pPr lvl="6" marL="3024000" indent="-216000">
-              <a:spcBef>
-                <a:spcPts val="283"/>
-              </a:spcBef>
-              <a:buClr>
-                <a:srgbClr val="000000"/>
-              </a:buClr>
-              <a:buSzPct val="45000"/>
-              <a:buFont typeface="Wingdings" charset="2"/>
-              <a:buChar char=""/>
-            </a:pPr>
-            <a:r>
-              <a:rPr b="0" lang="pt-BR" sz="2000" spc="-1" strike="noStrike">
-                <a:latin typeface="Arial"/>
-              </a:rPr>
-              <a:t>7.º nível da estrutura de tópicos</a:t>
-            </a:r>
-            <a:endParaRPr b="0" lang="pt-BR" sz="2000" spc="-1" strike="noStrike">
-              <a:latin typeface="Arial"/>
-            </a:endParaRPr>
-          </a:p>
-        </p:txBody>
-      </p:sp>
     </p:spTree>
   </p:cSld>
   <p:clrMap bg1="lt1" bg2="lt2" tx1="dk1" tx2="dk2" accent1="accent1" accent2="accent2" accent3="accent3" accent4="accent4" accent5="accent5" accent6="accent6" hlink="hlink" folHlink="folHlink"/>
@@ -1647,14 +1431,14 @@
       </p:grpSpPr>
       <p:sp>
         <p:nvSpPr>
-          <p:cNvPr id="38" name="CustomShape 1"/>
+          <p:cNvPr id="36" name="CustomShape 1"/>
           <p:cNvSpPr/>
           <p:nvPr/>
         </p:nvSpPr>
         <p:spPr>
           <a:xfrm>
             <a:off x="692640" y="301680"/>
-            <a:ext cx="8691840" cy="1093320"/>
+            <a:ext cx="8691120" cy="1092600"/>
           </a:xfrm>
           <a:prstGeom prst="rect">
             <a:avLst/>
@@ -1673,14 +1457,14 @@
       </p:sp>
       <p:sp>
         <p:nvSpPr>
-          <p:cNvPr id="39" name="CustomShape 2"/>
+          <p:cNvPr id="37" name="CustomShape 2"/>
           <p:cNvSpPr/>
           <p:nvPr/>
         </p:nvSpPr>
         <p:spPr>
           <a:xfrm>
             <a:off x="159120" y="144000"/>
-            <a:ext cx="2719440" cy="201960"/>
+            <a:ext cx="2718720" cy="201240"/>
           </a:xfrm>
           <a:prstGeom prst="rect">
             <a:avLst/>
@@ -1724,7 +1508,7 @@
       </p:sp>
       <p:pic>
         <p:nvPicPr>
-          <p:cNvPr id="40" name="" descr=""/>
+          <p:cNvPr id="38" name="" descr=""/>
           <p:cNvPicPr/>
           <p:nvPr/>
         </p:nvPicPr>
@@ -1734,8 +1518,8 @@
         </p:blipFill>
         <p:spPr>
           <a:xfrm>
-            <a:off x="562320" y="693720"/>
-            <a:ext cx="8953560" cy="4286160"/>
+            <a:off x="1229040" y="659160"/>
+            <a:ext cx="7446960" cy="4623840"/>
           </a:xfrm>
           <a:prstGeom prst="rect">
             <a:avLst/>

--- a/20 - Modelo Conceitual de Negócio.pptx
+++ b/20 - Modelo Conceitual de Negócio.pptx
@@ -1438,7 +1438,7 @@
         <p:spPr>
           <a:xfrm>
             <a:off x="692640" y="301680"/>
-            <a:ext cx="8691120" cy="1092600"/>
+            <a:ext cx="8690760" cy="1092240"/>
           </a:xfrm>
           <a:prstGeom prst="rect">
             <a:avLst/>
@@ -1464,7 +1464,7 @@
         <p:spPr>
           <a:xfrm>
             <a:off x="159120" y="144000"/>
-            <a:ext cx="2718720" cy="201240"/>
+            <a:ext cx="2718360" cy="200880"/>
           </a:xfrm>
           <a:prstGeom prst="rect">
             <a:avLst/>
@@ -1498,7 +1498,7 @@
                 <a:latin typeface="Calibri Light"/>
                 <a:ea typeface="DejaVu Sans"/>
               </a:rPr>
-              <a:t>Modelo Conceitual de Négocio</a:t>
+              <a:t>Modelo Conceitual de Negócio</a:t>
             </a:r>
             <a:endParaRPr b="0" lang="pt-BR" sz="1000" spc="-1" strike="noStrike">
               <a:latin typeface="Arial"/>
@@ -1518,8 +1518,8 @@
         </p:blipFill>
         <p:spPr>
           <a:xfrm>
-            <a:off x="1229040" y="659160"/>
-            <a:ext cx="7446960" cy="4623840"/>
+            <a:off x="1332000" y="328320"/>
+            <a:ext cx="6804000" cy="5334840"/>
           </a:xfrm>
           <a:prstGeom prst="rect">
             <a:avLst/>
